--- a/発表_p/20220912_発表.pptx
+++ b/発表_p/20220912_発表.pptx
@@ -7,19 +7,20 @@
   <p:sldIdLst>
     <p:sldId id="260" r:id="rId2"/>
     <p:sldId id="269" r:id="rId3"/>
-    <p:sldId id="273" r:id="rId4"/>
+    <p:sldId id="287" r:id="rId4"/>
     <p:sldId id="275" r:id="rId5"/>
-    <p:sldId id="276" r:id="rId6"/>
-    <p:sldId id="277" r:id="rId7"/>
-    <p:sldId id="280" r:id="rId8"/>
-    <p:sldId id="286" r:id="rId9"/>
-    <p:sldId id="282" r:id="rId10"/>
-    <p:sldId id="283" r:id="rId11"/>
-    <p:sldId id="284" r:id="rId12"/>
-    <p:sldId id="285" r:id="rId13"/>
-    <p:sldId id="281" r:id="rId14"/>
-    <p:sldId id="271" r:id="rId15"/>
-    <p:sldId id="278" r:id="rId16"/>
+    <p:sldId id="288" r:id="rId6"/>
+    <p:sldId id="276" r:id="rId7"/>
+    <p:sldId id="277" r:id="rId8"/>
+    <p:sldId id="280" r:id="rId9"/>
+    <p:sldId id="286" r:id="rId10"/>
+    <p:sldId id="282" r:id="rId11"/>
+    <p:sldId id="283" r:id="rId12"/>
+    <p:sldId id="284" r:id="rId13"/>
+    <p:sldId id="285" r:id="rId14"/>
+    <p:sldId id="281" r:id="rId15"/>
+    <p:sldId id="271" r:id="rId16"/>
+    <p:sldId id="278" r:id="rId17"/>
   </p:sldIdLst>
   <p:sldSz cx="12192000" cy="6858000"/>
   <p:notesSz cx="6858000" cy="9144000"/>
@@ -300,6 +301,33 @@
 </inkml:ink>
 </file>
 
+<file path=ppt/ink/ink15.xml><?xml version="1.0" encoding="utf-8"?>
+<inkml:ink xmlns:inkml="http://www.w3.org/2003/InkML">
+  <inkml:definitions>
+    <inkml:context xml:id="ctx0">
+      <inkml:inkSource xml:id="inkSrc0">
+        <inkml:traceFormat>
+          <inkml:channel name="X" type="integer" min="-2.14748E9" max="2.14748E9" units="cm"/>
+          <inkml:channel name="Y" type="integer" min="-2.14748E9" max="2.14748E9" units="cm"/>
+          <inkml:channel name="F" type="integer" max="32767" units="dev"/>
+        </inkml:traceFormat>
+        <inkml:channelProperties>
+          <inkml:channelProperty channel="X" name="resolution" value="1000" units="1/cm"/>
+          <inkml:channelProperty channel="Y" name="resolution" value="1000" units="1/cm"/>
+          <inkml:channelProperty channel="F" name="resolution" value="0" units="1/dev"/>
+        </inkml:channelProperties>
+      </inkml:inkSource>
+      <inkml:timestamp xml:id="ts0" timeString="2022-05-22T07:02:51.042"/>
+    </inkml:context>
+    <inkml:brush xml:id="br0">
+      <inkml:brushProperty name="width" value="0.05" units="cm"/>
+      <inkml:brushProperty name="height" value="0.05" units="cm"/>
+    </inkml:brush>
+  </inkml:definitions>
+  <inkml:trace contextRef="#ctx0" brushRef="#br0">0 0 24575</inkml:trace>
+</inkml:ink>
+</file>
+
 <file path=ppt/ink/ink2.xml><?xml version="1.0" encoding="utf-8"?>
 <inkml:ink xmlns:inkml="http://www.w3.org/2003/InkML">
   <inkml:definitions>
@@ -663,7 +691,7 @@
           <a:p>
             <a:fld id="{48A87A34-81AB-432B-8DAE-1953F412C126}" type="datetimeFigureOut">
               <a:rPr lang="en-US" smtClean="0"/>
-              <a:t>9/11/2022</a:t>
+              <a:t>9/12/2022</a:t>
             </a:fld>
             <a:endParaRPr lang="en-US" dirty="0"/>
           </a:p>
@@ -893,7 +921,7 @@
           <a:p>
             <a:fld id="{48A87A34-81AB-432B-8DAE-1953F412C126}" type="datetimeFigureOut">
               <a:rPr lang="en-US" smtClean="0"/>
-              <a:t>9/11/2022</a:t>
+              <a:t>9/12/2022</a:t>
             </a:fld>
             <a:endParaRPr lang="en-US" dirty="0"/>
           </a:p>
@@ -1133,7 +1161,7 @@
           <a:p>
             <a:fld id="{48A87A34-81AB-432B-8DAE-1953F412C126}" type="datetimeFigureOut">
               <a:rPr lang="en-US" smtClean="0"/>
-              <a:t>9/11/2022</a:t>
+              <a:t>9/12/2022</a:t>
             </a:fld>
             <a:endParaRPr lang="en-US" dirty="0"/>
           </a:p>
@@ -1363,7 +1391,7 @@
           <a:p>
             <a:fld id="{48A87A34-81AB-432B-8DAE-1953F412C126}" type="datetimeFigureOut">
               <a:rPr lang="en-US" smtClean="0"/>
-              <a:t>9/11/2022</a:t>
+              <a:t>9/12/2022</a:t>
             </a:fld>
             <a:endParaRPr lang="en-US" dirty="0"/>
           </a:p>
@@ -1638,7 +1666,7 @@
           <a:p>
             <a:fld id="{48A87A34-81AB-432B-8DAE-1953F412C126}" type="datetimeFigureOut">
               <a:rPr lang="en-US" smtClean="0"/>
-              <a:t>9/11/2022</a:t>
+              <a:t>9/12/2022</a:t>
             </a:fld>
             <a:endParaRPr lang="en-US" dirty="0"/>
           </a:p>
@@ -1967,7 +1995,7 @@
           <a:p>
             <a:fld id="{48A87A34-81AB-432B-8DAE-1953F412C126}" type="datetimeFigureOut">
               <a:rPr lang="en-US" smtClean="0"/>
-              <a:t>9/11/2022</a:t>
+              <a:t>9/12/2022</a:t>
             </a:fld>
             <a:endParaRPr lang="en-US" dirty="0"/>
           </a:p>
@@ -2443,7 +2471,7 @@
           <a:p>
             <a:fld id="{48A87A34-81AB-432B-8DAE-1953F412C126}" type="datetimeFigureOut">
               <a:rPr lang="en-US" smtClean="0"/>
-              <a:t>9/11/2022</a:t>
+              <a:t>9/12/2022</a:t>
             </a:fld>
             <a:endParaRPr lang="en-US" dirty="0"/>
           </a:p>
@@ -2584,7 +2612,7 @@
           <a:p>
             <a:fld id="{48A87A34-81AB-432B-8DAE-1953F412C126}" type="datetimeFigureOut">
               <a:rPr lang="en-US" smtClean="0"/>
-              <a:t>9/11/2022</a:t>
+              <a:t>9/12/2022</a:t>
             </a:fld>
             <a:endParaRPr lang="en-US" dirty="0"/>
           </a:p>
@@ -2697,7 +2725,7 @@
           <a:p>
             <a:fld id="{48A87A34-81AB-432B-8DAE-1953F412C126}" type="datetimeFigureOut">
               <a:rPr lang="en-US" smtClean="0"/>
-              <a:t>9/11/2022</a:t>
+              <a:t>9/12/2022</a:t>
             </a:fld>
             <a:endParaRPr lang="en-US" dirty="0"/>
           </a:p>
@@ -3040,7 +3068,7 @@
           <a:p>
             <a:fld id="{48A87A34-81AB-432B-8DAE-1953F412C126}" type="datetimeFigureOut">
               <a:rPr lang="en-US" smtClean="0"/>
-              <a:t>9/11/2022</a:t>
+              <a:t>9/12/2022</a:t>
             </a:fld>
             <a:endParaRPr lang="en-US" dirty="0"/>
           </a:p>
@@ -3332,7 +3360,7 @@
             <a:fld id="{48A87A34-81AB-432B-8DAE-1953F412C126}" type="datetimeFigureOut">
               <a:rPr lang="en-US" smtClean="0"/>
               <a:pPr/>
-              <a:t>9/11/2022</a:t>
+              <a:t>9/12/2022</a:t>
             </a:fld>
             <a:endParaRPr lang="en-US" dirty="0"/>
           </a:p>
@@ -3606,7 +3634,7 @@
             <a:fld id="{48A87A34-81AB-432B-8DAE-1953F412C126}" type="datetimeFigureOut">
               <a:rPr lang="en-US" smtClean="0"/>
               <a:pPr/>
-              <a:t>9/11/2022</a:t>
+              <a:t>9/12/2022</a:t>
             </a:fld>
             <a:endParaRPr lang="en-US" dirty="0"/>
           </a:p>
@@ -4524,6 +4552,323 @@
       </mc:AlternateContent>
       <p:pic>
         <p:nvPicPr>
+          <p:cNvPr id="7" name="図 6">
+            <a:extLst>
+              <a:ext uri="{FF2B5EF4-FFF2-40B4-BE49-F238E27FC236}">
+                <a16:creationId xmlns:a16="http://schemas.microsoft.com/office/drawing/2014/main" id="{3DCE9C32-0035-8073-1657-E6483602A72B}"/>
+              </a:ext>
+            </a:extLst>
+          </p:cNvPr>
+          <p:cNvPicPr>
+            <a:picLocks noChangeAspect="1"/>
+          </p:cNvPicPr>
+          <p:nvPr/>
+        </p:nvPicPr>
+        <p:blipFill>
+          <a:blip r:embed="rId4"/>
+          <a:stretch>
+            <a:fillRect/>
+          </a:stretch>
+        </p:blipFill>
+        <p:spPr>
+          <a:xfrm>
+            <a:off x="2616112" y="2260505"/>
+            <a:ext cx="6959775" cy="4183270"/>
+          </a:xfrm>
+          <a:prstGeom prst="rect">
+            <a:avLst/>
+          </a:prstGeom>
+        </p:spPr>
+      </p:pic>
+    </p:spTree>
+    <p:extLst>
+      <p:ext uri="{BB962C8B-B14F-4D97-AF65-F5344CB8AC3E}">
+        <p14:creationId xmlns:p14="http://schemas.microsoft.com/office/powerpoint/2010/main" val="927211494"/>
+      </p:ext>
+    </p:extLst>
+  </p:cSld>
+  <p:clrMapOvr>
+    <a:masterClrMapping/>
+  </p:clrMapOvr>
+</p:sld>
+</file>
+
+<file path=ppt/slides/slide11.xml><?xml version="1.0" encoding="utf-8"?>
+<p:sld xmlns:a="http://schemas.openxmlformats.org/drawingml/2006/main" xmlns:r="http://schemas.openxmlformats.org/officeDocument/2006/relationships" xmlns:p="http://schemas.openxmlformats.org/presentationml/2006/main">
+  <p:cSld>
+    <p:spTree>
+      <p:nvGrpSpPr>
+        <p:cNvPr id="1" name=""/>
+        <p:cNvGrpSpPr/>
+        <p:nvPr/>
+      </p:nvGrpSpPr>
+      <p:grpSpPr>
+        <a:xfrm>
+          <a:off x="0" y="0"/>
+          <a:ext cx="0" cy="0"/>
+          <a:chOff x="0" y="0"/>
+          <a:chExt cx="0" cy="0"/>
+        </a:xfrm>
+      </p:grpSpPr>
+      <p:sp>
+        <p:nvSpPr>
+          <p:cNvPr id="4" name="正方形/長方形 3">
+            <a:extLst>
+              <a:ext uri="{FF2B5EF4-FFF2-40B4-BE49-F238E27FC236}">
+                <a16:creationId xmlns:a16="http://schemas.microsoft.com/office/drawing/2014/main" id="{537B97F4-E983-2356-6027-1540E66EAFCE}"/>
+              </a:ext>
+            </a:extLst>
+          </p:cNvPr>
+          <p:cNvSpPr/>
+          <p:nvPr/>
+        </p:nvSpPr>
+        <p:spPr>
+          <a:xfrm>
+            <a:off x="0" y="0"/>
+            <a:ext cx="12256168" cy="6858000"/>
+          </a:xfrm>
+          <a:prstGeom prst="rect">
+            <a:avLst/>
+          </a:prstGeom>
+          <a:solidFill>
+            <a:schemeClr val="accent2">
+              <a:lumMod val="20000"/>
+              <a:lumOff val="80000"/>
+            </a:schemeClr>
+          </a:solidFill>
+        </p:spPr>
+        <p:style>
+          <a:lnRef idx="2">
+            <a:schemeClr val="accent2">
+              <a:shade val="50000"/>
+            </a:schemeClr>
+          </a:lnRef>
+          <a:fillRef idx="1">
+            <a:schemeClr val="accent2"/>
+          </a:fillRef>
+          <a:effectRef idx="0">
+            <a:schemeClr val="accent2"/>
+          </a:effectRef>
+          <a:fontRef idx="minor">
+            <a:schemeClr val="lt1"/>
+          </a:fontRef>
+        </p:style>
+        <p:txBody>
+          <a:bodyPr rtlCol="0" anchor="ctr"/>
+          <a:lstStyle/>
+          <a:p>
+            <a:pPr algn="ctr"/>
+            <a:endParaRPr kumimoji="1" lang="ja-JP" altLang="en-US" sz="4800" b="1" dirty="0">
+              <a:solidFill>
+                <a:schemeClr val="tx1"/>
+              </a:solidFill>
+            </a:endParaRPr>
+          </a:p>
+        </p:txBody>
+      </p:sp>
+      <p:sp>
+        <p:nvSpPr>
+          <p:cNvPr id="5" name="正方形/長方形 4">
+            <a:extLst>
+              <a:ext uri="{FF2B5EF4-FFF2-40B4-BE49-F238E27FC236}">
+                <a16:creationId xmlns:a16="http://schemas.microsoft.com/office/drawing/2014/main" id="{13E2DDFB-DD74-1E35-6872-347ED082CB3D}"/>
+              </a:ext>
+            </a:extLst>
+          </p:cNvPr>
+          <p:cNvSpPr/>
+          <p:nvPr/>
+        </p:nvSpPr>
+        <p:spPr>
+          <a:xfrm>
+            <a:off x="-19050" y="1634243"/>
+            <a:ext cx="12256168" cy="96253"/>
+          </a:xfrm>
+          <a:prstGeom prst="rect">
+            <a:avLst/>
+          </a:prstGeom>
+          <a:solidFill>
+            <a:schemeClr val="accent2">
+              <a:lumMod val="75000"/>
+            </a:schemeClr>
+          </a:solidFill>
+          <a:ln>
+            <a:noFill/>
+          </a:ln>
+        </p:spPr>
+        <p:style>
+          <a:lnRef idx="2">
+            <a:schemeClr val="accent1">
+              <a:shade val="50000"/>
+            </a:schemeClr>
+          </a:lnRef>
+          <a:fillRef idx="1">
+            <a:schemeClr val="accent1"/>
+          </a:fillRef>
+          <a:effectRef idx="0">
+            <a:schemeClr val="accent1"/>
+          </a:effectRef>
+          <a:fontRef idx="minor">
+            <a:schemeClr val="lt1"/>
+          </a:fontRef>
+        </p:style>
+        <p:txBody>
+          <a:bodyPr rtlCol="0" anchor="ctr"/>
+          <a:lstStyle/>
+          <a:p>
+            <a:pPr algn="ctr"/>
+            <a:endParaRPr kumimoji="1" lang="ja-JP" altLang="en-US"/>
+          </a:p>
+        </p:txBody>
+      </p:sp>
+      <p:sp>
+        <p:nvSpPr>
+          <p:cNvPr id="8" name="正方形/長方形 7">
+            <a:extLst>
+              <a:ext uri="{FF2B5EF4-FFF2-40B4-BE49-F238E27FC236}">
+                <a16:creationId xmlns:a16="http://schemas.microsoft.com/office/drawing/2014/main" id="{9174F777-3707-B77E-F507-44E2665CBD04}"/>
+              </a:ext>
+            </a:extLst>
+          </p:cNvPr>
+          <p:cNvSpPr/>
+          <p:nvPr/>
+        </p:nvSpPr>
+        <p:spPr>
+          <a:xfrm flipH="1">
+            <a:off x="808350" y="489284"/>
+            <a:ext cx="162196" cy="755210"/>
+          </a:xfrm>
+          <a:prstGeom prst="rect">
+            <a:avLst/>
+          </a:prstGeom>
+          <a:solidFill>
+            <a:schemeClr val="accent2">
+              <a:lumMod val="75000"/>
+            </a:schemeClr>
+          </a:solidFill>
+          <a:ln>
+            <a:noFill/>
+          </a:ln>
+        </p:spPr>
+        <p:style>
+          <a:lnRef idx="2">
+            <a:schemeClr val="accent1">
+              <a:shade val="50000"/>
+            </a:schemeClr>
+          </a:lnRef>
+          <a:fillRef idx="1">
+            <a:schemeClr val="accent1"/>
+          </a:fillRef>
+          <a:effectRef idx="0">
+            <a:schemeClr val="accent1"/>
+          </a:effectRef>
+          <a:fontRef idx="minor">
+            <a:schemeClr val="lt1"/>
+          </a:fontRef>
+        </p:style>
+        <p:txBody>
+          <a:bodyPr rtlCol="0" anchor="ctr"/>
+          <a:lstStyle/>
+          <a:p>
+            <a:pPr algn="ctr"/>
+            <a:endParaRPr kumimoji="1" lang="ja-JP" altLang="en-US"/>
+          </a:p>
+        </p:txBody>
+      </p:sp>
+      <p:sp>
+        <p:nvSpPr>
+          <p:cNvPr id="2" name="テキスト ボックス 1">
+            <a:extLst>
+              <a:ext uri="{FF2B5EF4-FFF2-40B4-BE49-F238E27FC236}">
+                <a16:creationId xmlns:a16="http://schemas.microsoft.com/office/drawing/2014/main" id="{FBE8D77F-117D-48DC-A527-1721EC553375}"/>
+              </a:ext>
+            </a:extLst>
+          </p:cNvPr>
+          <p:cNvSpPr txBox="1"/>
+          <p:nvPr/>
+        </p:nvSpPr>
+        <p:spPr>
+          <a:xfrm>
+            <a:off x="1138985" y="325084"/>
+            <a:ext cx="9074863" cy="1015663"/>
+          </a:xfrm>
+          <a:prstGeom prst="rect">
+            <a:avLst/>
+          </a:prstGeom>
+          <a:noFill/>
+        </p:spPr>
+        <p:txBody>
+          <a:bodyPr wrap="square" rtlCol="0">
+            <a:spAutoFit/>
+          </a:bodyPr>
+          <a:lstStyle/>
+          <a:p>
+            <a:r>
+              <a:rPr lang="ja-JP" altLang="en-US" sz="6000" dirty="0">
+                <a:latin typeface="HGS創英角ｺﾞｼｯｸUB" panose="020B0900000000000000" pitchFamily="50" charset="-128"/>
+                <a:ea typeface="HGS創英角ｺﾞｼｯｸUB" panose="020B0900000000000000" pitchFamily="50" charset="-128"/>
+              </a:rPr>
+              <a:t>計測結果</a:t>
+            </a:r>
+            <a:endParaRPr kumimoji="1" lang="ja-JP" altLang="en-US" sz="6000" dirty="0">
+              <a:latin typeface="HGS創英角ｺﾞｼｯｸUB" panose="020B0900000000000000" pitchFamily="50" charset="-128"/>
+              <a:ea typeface="HGS創英角ｺﾞｼｯｸUB" panose="020B0900000000000000" pitchFamily="50" charset="-128"/>
+            </a:endParaRPr>
+          </a:p>
+        </p:txBody>
+      </p:sp>
+      <mc:AlternateContent xmlns:mc="http://schemas.openxmlformats.org/markup-compatibility/2006" xmlns:p14="http://schemas.microsoft.com/office/powerpoint/2010/main">
+        <mc:Choice Requires="p14">
+          <p:contentPart p14:bwMode="auto" r:id="rId2">
+            <p14:nvContentPartPr>
+              <p14:cNvPr id="22" name="インク 21">
+                <a:extLst>
+                  <a:ext uri="{FF2B5EF4-FFF2-40B4-BE49-F238E27FC236}">
+                    <a16:creationId xmlns:a16="http://schemas.microsoft.com/office/drawing/2014/main" id="{D4DA94EC-B5B1-ECB3-5618-933E628EE936}"/>
+                  </a:ext>
+                </a:extLst>
+              </p14:cNvPr>
+              <p14:cNvContentPartPr/>
+              <p14:nvPr/>
+            </p14:nvContentPartPr>
+            <p14:xfrm>
+              <a:off x="-2415388" y="785280"/>
+              <a:ext cx="360" cy="360"/>
+            </p14:xfrm>
+          </p:contentPart>
+        </mc:Choice>
+        <mc:Fallback xmlns="">
+          <p:pic>
+            <p:nvPicPr>
+              <p:cNvPr id="22" name="インク 21">
+                <a:extLst>
+                  <a:ext uri="{FF2B5EF4-FFF2-40B4-BE49-F238E27FC236}">
+                    <a16:creationId xmlns:a16="http://schemas.microsoft.com/office/drawing/2014/main" id="{D4DA94EC-B5B1-ECB3-5618-933E628EE936}"/>
+                  </a:ext>
+                </a:extLst>
+              </p:cNvPr>
+              <p:cNvPicPr/>
+              <p:nvPr/>
+            </p:nvPicPr>
+            <p:blipFill>
+              <a:blip r:embed="rId3"/>
+              <a:stretch>
+                <a:fillRect/>
+              </a:stretch>
+            </p:blipFill>
+            <p:spPr>
+              <a:xfrm>
+                <a:off x="-2424388" y="776280"/>
+                <a:ext cx="18000" cy="18000"/>
+              </a:xfrm>
+              <a:prstGeom prst="rect">
+                <a:avLst/>
+              </a:prstGeom>
+            </p:spPr>
+          </p:pic>
+        </mc:Fallback>
+      </mc:AlternateContent>
+      <p:pic>
+        <p:nvPicPr>
           <p:cNvPr id="6" name="図 5">
             <a:extLst>
               <a:ext uri="{FF2B5EF4-FFF2-40B4-BE49-F238E27FC236}">
@@ -4565,7 +4910,7 @@
 </p:sld>
 </file>
 
-<file path=ppt/slides/slide11.xml><?xml version="1.0" encoding="utf-8"?>
+<file path=ppt/slides/slide12.xml><?xml version="1.0" encoding="utf-8"?>
 <p:sld xmlns:a="http://schemas.openxmlformats.org/drawingml/2006/main" xmlns:r="http://schemas.openxmlformats.org/officeDocument/2006/relationships" xmlns:p="http://schemas.openxmlformats.org/presentationml/2006/main">
   <p:cSld>
     <p:spTree>
@@ -4882,7 +5227,7 @@
 </p:sld>
 </file>
 
-<file path=ppt/slides/slide12.xml><?xml version="1.0" encoding="utf-8"?>
+<file path=ppt/slides/slide13.xml><?xml version="1.0" encoding="utf-8"?>
 <p:sld xmlns:a="http://schemas.openxmlformats.org/drawingml/2006/main" xmlns:r="http://schemas.openxmlformats.org/officeDocument/2006/relationships" xmlns:p="http://schemas.openxmlformats.org/presentationml/2006/main">
   <p:cSld>
     <p:spTree>
@@ -5199,7 +5544,7 @@
 </p:sld>
 </file>
 
-<file path=ppt/slides/slide13.xml><?xml version="1.0" encoding="utf-8"?>
+<file path=ppt/slides/slide14.xml><?xml version="1.0" encoding="utf-8"?>
 <p:sld xmlns:a="http://schemas.openxmlformats.org/drawingml/2006/main" xmlns:r="http://schemas.openxmlformats.org/officeDocument/2006/relationships" xmlns:p="http://schemas.openxmlformats.org/presentationml/2006/main">
   <p:cSld>
     <p:spTree>
@@ -5599,7 +5944,7 @@
 </p:sld>
 </file>
 
-<file path=ppt/slides/slide14.xml><?xml version="1.0" encoding="utf-8"?>
+<file path=ppt/slides/slide15.xml><?xml version="1.0" encoding="utf-8"?>
 <p:sld xmlns:a="http://schemas.openxmlformats.org/drawingml/2006/main" xmlns:r="http://schemas.openxmlformats.org/officeDocument/2006/relationships" xmlns:p="http://schemas.openxmlformats.org/presentationml/2006/main">
   <p:cSld>
     <p:spTree>
@@ -5964,7 +6309,7 @@
 </p:sld>
 </file>
 
-<file path=ppt/slides/slide15.xml><?xml version="1.0" encoding="utf-8"?>
+<file path=ppt/slides/slide16.xml><?xml version="1.0" encoding="utf-8"?>
 <p:sld xmlns:a="http://schemas.openxmlformats.org/drawingml/2006/main" xmlns:r="http://schemas.openxmlformats.org/officeDocument/2006/relationships" xmlns:p="http://schemas.openxmlformats.org/presentationml/2006/main">
   <p:cSld>
     <p:spTree>
@@ -6989,12 +7334,16 @@
           <a:lstStyle/>
           <a:p>
             <a:r>
-              <a:rPr kumimoji="1" lang="ja-JP" altLang="en-US" sz="6000" dirty="0">
+              <a:rPr lang="ja-JP" altLang="en-US" sz="6000" dirty="0">
                 <a:latin typeface="HGS創英角ｺﾞｼｯｸUB" panose="020B0900000000000000" pitchFamily="50" charset="-128"/>
                 <a:ea typeface="HGS創英角ｺﾞｼｯｸUB" panose="020B0900000000000000" pitchFamily="50" charset="-128"/>
               </a:rPr>
-              <a:t>進歩状況</a:t>
-            </a:r>
+              <a:t>実験内容</a:t>
+            </a:r>
+            <a:endParaRPr lang="en-US" altLang="ja-JP" sz="6000" dirty="0">
+              <a:latin typeface="HGS創英角ｺﾞｼｯｸUB" panose="020B0900000000000000" pitchFamily="50" charset="-128"/>
+              <a:ea typeface="HGS創英角ｺﾞｼｯｸUB" panose="020B0900000000000000" pitchFamily="50" charset="-128"/>
+            </a:endParaRPr>
           </a:p>
         </p:txBody>
       </p:sp>
@@ -7064,7 +7413,7 @@
         <p:spPr>
           <a:xfrm>
             <a:off x="808350" y="2023992"/>
-            <a:ext cx="11466868" cy="2123658"/>
+            <a:ext cx="10347330" cy="3600986"/>
           </a:xfrm>
           <a:prstGeom prst="rect">
             <a:avLst/>
@@ -7089,7 +7438,7 @@
                 <a:latin typeface="HGS創英角ｺﾞｼｯｸUB" panose="020B0900000000000000" pitchFamily="50" charset="-128"/>
                 <a:ea typeface="HGS創英角ｺﾞｼｯｸUB" panose="020B0900000000000000" pitchFamily="50" charset="-128"/>
               </a:rPr>
-              <a:t>実際に計測して集中力の計測</a:t>
+              <a:t>実験方法</a:t>
             </a:r>
             <a:endParaRPr kumimoji="1" lang="en-US" altLang="ja-JP" sz="3600" u="sng" dirty="0">
               <a:latin typeface="HGS創英角ｺﾞｼｯｸUB" panose="020B0900000000000000" pitchFamily="50" charset="-128"/>
@@ -7098,41 +7447,108 @@
           </a:p>
           <a:p>
             <a:r>
-              <a:rPr kumimoji="1" lang="ja-JP" altLang="en-US" sz="3200" dirty="0">
-                <a:latin typeface="HGPｺﾞｼｯｸE" panose="020B0900000000000000" pitchFamily="50" charset="-128"/>
-                <a:ea typeface="HGPｺﾞｼｯｸE" panose="020B0900000000000000" pitchFamily="50" charset="-128"/>
+              <a:rPr lang="ja-JP" altLang="en-US" sz="2400" b="1" dirty="0">
+                <a:latin typeface="HGS創英角ｺﾞｼｯｸUB" panose="020B0900000000000000" pitchFamily="50" charset="-128"/>
+                <a:ea typeface="HGS創英角ｺﾞｼｯｸUB" panose="020B0900000000000000" pitchFamily="50" charset="-128"/>
               </a:rPr>
-              <a:t>➞実際に友人</a:t>
-            </a:r>
-            <a:r>
-              <a:rPr kumimoji="1" lang="en-US" altLang="ja-JP" sz="3200" dirty="0">
-                <a:latin typeface="HGPｺﾞｼｯｸE" panose="020B0900000000000000" pitchFamily="50" charset="-128"/>
-                <a:ea typeface="HGPｺﾞｼｯｸE" panose="020B0900000000000000" pitchFamily="50" charset="-128"/>
+              <a:t>→</a:t>
+            </a:r>
+            <a:r>
+              <a:rPr lang="en-US" altLang="ja-JP" sz="2400" b="1" dirty="0">
+                <a:latin typeface="HGS創英角ｺﾞｼｯｸUB" panose="020B0900000000000000" pitchFamily="50" charset="-128"/>
+                <a:ea typeface="HGS創英角ｺﾞｼｯｸUB" panose="020B0900000000000000" pitchFamily="50" charset="-128"/>
               </a:rPr>
-              <a:t>1</a:t>
-            </a:r>
-            <a:r>
-              <a:rPr kumimoji="1" lang="ja-JP" altLang="en-US" sz="3200" dirty="0">
-                <a:latin typeface="HGPｺﾞｼｯｸE" panose="020B0900000000000000" pitchFamily="50" charset="-128"/>
-                <a:ea typeface="HGPｺﾞｼｯｸE" panose="020B0900000000000000" pitchFamily="50" charset="-128"/>
+              <a:t>30</a:t>
+            </a:r>
+            <a:r>
+              <a:rPr lang="ja-JP" altLang="en-US" sz="2400" b="1" dirty="0">
+                <a:latin typeface="HGS創英角ｺﾞｼｯｸUB" panose="020B0900000000000000" pitchFamily="50" charset="-128"/>
+                <a:ea typeface="HGS創英角ｺﾞｼｯｸUB" panose="020B0900000000000000" pitchFamily="50" charset="-128"/>
               </a:rPr>
-              <a:t>人にタスクをやってもらい計測した。</a:t>
-            </a:r>
-            <a:endParaRPr kumimoji="1" lang="en-US" altLang="ja-JP" sz="3200" dirty="0">
-              <a:latin typeface="HGPｺﾞｼｯｸE" panose="020B0900000000000000" pitchFamily="50" charset="-128"/>
-              <a:ea typeface="HGPｺﾞｼｯｸE" panose="020B0900000000000000" pitchFamily="50" charset="-128"/>
+              <a:t>問の</a:t>
+            </a:r>
+            <a:r>
+              <a:rPr lang="en-US" altLang="ja-JP" sz="2400" b="1" dirty="0">
+                <a:latin typeface="HGS創英角ｺﾞｼｯｸUB" panose="020B0900000000000000" pitchFamily="50" charset="-128"/>
+                <a:ea typeface="HGS創英角ｺﾞｼｯｸUB" panose="020B0900000000000000" pitchFamily="50" charset="-128"/>
+              </a:rPr>
+              <a:t>2</a:t>
+            </a:r>
+            <a:r>
+              <a:rPr lang="ja-JP" altLang="en-US" sz="2400" b="1" dirty="0">
+                <a:latin typeface="HGS創英角ｺﾞｼｯｸUB" panose="020B0900000000000000" pitchFamily="50" charset="-128"/>
+                <a:ea typeface="HGS創英角ｺﾞｼｯｸUB" panose="020B0900000000000000" pitchFamily="50" charset="-128"/>
+              </a:rPr>
+              <a:t>桁</a:t>
+            </a:r>
+            <a:r>
+              <a:rPr lang="en-US" altLang="ja-JP" sz="2400" b="1" dirty="0">
+                <a:latin typeface="HGS創英角ｺﾞｼｯｸUB" panose="020B0900000000000000" pitchFamily="50" charset="-128"/>
+                <a:ea typeface="HGS創英角ｺﾞｼｯｸUB" panose="020B0900000000000000" pitchFamily="50" charset="-128"/>
+              </a:rPr>
+              <a:t>×1</a:t>
+            </a:r>
+            <a:r>
+              <a:rPr lang="ja-JP" altLang="en-US" sz="2400" b="1" dirty="0">
+                <a:latin typeface="HGS創英角ｺﾞｼｯｸUB" panose="020B0900000000000000" pitchFamily="50" charset="-128"/>
+                <a:ea typeface="HGS創英角ｺﾞｼｯｸUB" panose="020B0900000000000000" pitchFamily="50" charset="-128"/>
+              </a:rPr>
+              <a:t>桁の計算タスクをなるべく早く、正確にやってもらう</a:t>
+            </a:r>
+            <a:endParaRPr lang="en-US" altLang="ja-JP" sz="2400" b="1" dirty="0">
+              <a:latin typeface="HGS創英角ｺﾞｼｯｸUB" panose="020B0900000000000000" pitchFamily="50" charset="-128"/>
+              <a:ea typeface="HGS創英角ｺﾞｼｯｸUB" panose="020B0900000000000000" pitchFamily="50" charset="-128"/>
             </a:endParaRPr>
           </a:p>
           <a:p>
-            <a:endParaRPr kumimoji="1" lang="en-US" altLang="ja-JP" sz="3200" dirty="0">
-              <a:latin typeface="HGPｺﾞｼｯｸE" panose="020B0900000000000000" pitchFamily="50" charset="-128"/>
-              <a:ea typeface="HGPｺﾞｼｯｸE" panose="020B0900000000000000" pitchFamily="50" charset="-128"/>
+            <a:r>
+              <a:rPr lang="ja-JP" altLang="en-US" sz="2400" b="1" dirty="0">
+                <a:latin typeface="HGS創英角ｺﾞｼｯｸUB" panose="020B0900000000000000" pitchFamily="50" charset="-128"/>
+                <a:ea typeface="HGS創英角ｺﾞｼｯｸUB" panose="020B0900000000000000" pitchFamily="50" charset="-128"/>
+              </a:rPr>
+              <a:t>タスク全体を</a:t>
+            </a:r>
+            <a:r>
+              <a:rPr lang="en-US" altLang="ja-JP" sz="2400" b="1" dirty="0">
+                <a:latin typeface="HGS創英角ｺﾞｼｯｸUB" panose="020B0900000000000000" pitchFamily="50" charset="-128"/>
+                <a:ea typeface="HGS創英角ｺﾞｼｯｸUB" panose="020B0900000000000000" pitchFamily="50" charset="-128"/>
+              </a:rPr>
+              <a:t>6</a:t>
+            </a:r>
+            <a:r>
+              <a:rPr lang="ja-JP" altLang="en-US" sz="2400" b="1" dirty="0">
+                <a:latin typeface="HGS創英角ｺﾞｼｯｸUB" panose="020B0900000000000000" pitchFamily="50" charset="-128"/>
+                <a:ea typeface="HGS創英角ｺﾞｼｯｸUB" panose="020B0900000000000000" pitchFamily="50" charset="-128"/>
+              </a:rPr>
+              <a:t>つのブロックに分けてそこからブロックごとの正答率、タスク回答時間を取得する。</a:t>
+            </a:r>
+            <a:endParaRPr lang="en-US" altLang="ja-JP" sz="2400" b="1" dirty="0">
+              <a:latin typeface="HGS創英角ｺﾞｼｯｸUB" panose="020B0900000000000000" pitchFamily="50" charset="-128"/>
+              <a:ea typeface="HGS創英角ｺﾞｼｯｸUB" panose="020B0900000000000000" pitchFamily="50" charset="-128"/>
             </a:endParaRPr>
           </a:p>
           <a:p>
-            <a:endParaRPr kumimoji="1" lang="en-US" altLang="ja-JP" sz="3200" dirty="0">
-              <a:latin typeface="HGPｺﾞｼｯｸE" panose="020B0900000000000000" pitchFamily="50" charset="-128"/>
-              <a:ea typeface="HGPｺﾞｼｯｸE" panose="020B0900000000000000" pitchFamily="50" charset="-128"/>
+            <a:endParaRPr lang="en-US" altLang="ja-JP" sz="2400" b="1" dirty="0">
+              <a:latin typeface="HGS創英角ｺﾞｼｯｸUB" panose="020B0900000000000000" pitchFamily="50" charset="-128"/>
+              <a:ea typeface="HGS創英角ｺﾞｼｯｸUB" panose="020B0900000000000000" pitchFamily="50" charset="-128"/>
+            </a:endParaRPr>
+          </a:p>
+          <a:p>
+            <a:endParaRPr kumimoji="1" lang="en-US" altLang="ja-JP" sz="3600" u="sng" dirty="0">
+              <a:latin typeface="HGS創英角ｺﾞｼｯｸUB" panose="020B0900000000000000" pitchFamily="50" charset="-128"/>
+              <a:ea typeface="HGS創英角ｺﾞｼｯｸUB" panose="020B0900000000000000" pitchFamily="50" charset="-128"/>
+            </a:endParaRPr>
+          </a:p>
+          <a:p>
+            <a:endParaRPr lang="ja-JP" altLang="en-US" sz="2400" b="1" dirty="0">
+              <a:latin typeface="HGS創英角ｺﾞｼｯｸUB" panose="020B0900000000000000" pitchFamily="50" charset="-128"/>
+              <a:ea typeface="HGS創英角ｺﾞｼｯｸUB" panose="020B0900000000000000" pitchFamily="50" charset="-128"/>
+            </a:endParaRPr>
+          </a:p>
+          <a:p>
+            <a:endParaRPr lang="en-US" altLang="ja-JP" sz="3600" b="1" dirty="0">
+              <a:latin typeface="HGS創英角ｺﾞｼｯｸUB" panose="020B0900000000000000" pitchFamily="50" charset="-128"/>
+              <a:ea typeface="HGS創英角ｺﾞｼｯｸUB" panose="020B0900000000000000" pitchFamily="50" charset="-128"/>
             </a:endParaRPr>
           </a:p>
         </p:txBody>
@@ -7140,7 +7556,7 @@
     </p:spTree>
     <p:extLst>
       <p:ext uri="{BB962C8B-B14F-4D97-AF65-F5344CB8AC3E}">
-        <p14:creationId xmlns:p14="http://schemas.microsoft.com/office/powerpoint/2010/main" val="1660402176"/>
+        <p14:creationId xmlns:p14="http://schemas.microsoft.com/office/powerpoint/2010/main" val="3350254376"/>
       </p:ext>
     </p:extLst>
   </p:cSld>
@@ -7441,7 +7857,7 @@
             <p:spPr>
               <a:xfrm>
                 <a:off x="808350" y="2023992"/>
-                <a:ext cx="11466868" cy="4011098"/>
+                <a:ext cx="11466868" cy="4380430"/>
               </a:xfrm>
               <a:prstGeom prst="rect">
                 <a:avLst/>
@@ -7627,6 +8043,12 @@
                 </a:endParaRPr>
               </a:p>
               <a:p>
+                <a:endParaRPr kumimoji="1" lang="en-US" altLang="ja-JP" sz="2400" dirty="0">
+                  <a:latin typeface="HGPｺﾞｼｯｸE" panose="020B0900000000000000" pitchFamily="50" charset="-128"/>
+                  <a:ea typeface="HGPｺﾞｼｯｸE" panose="020B0900000000000000" pitchFamily="50" charset="-128"/>
+                </a:endParaRPr>
+              </a:p>
+              <a:p>
                 <a:r>
                   <a:rPr kumimoji="1" lang="ja-JP" altLang="en-US" sz="2400" dirty="0">
                     <a:latin typeface="HGPｺﾞｼｯｸE" panose="020B0900000000000000" pitchFamily="50" charset="-128"/>
@@ -7720,7 +8142,7 @@
             <p:spPr>
               <a:xfrm>
                 <a:off x="808350" y="2023992"/>
-                <a:ext cx="11466868" cy="4011098"/>
+                <a:ext cx="11466868" cy="4380430"/>
               </a:xfrm>
               <a:prstGeom prst="rect">
                 <a:avLst/>
@@ -7728,7 +8150,7 @@
               <a:blipFill>
                 <a:blip r:embed="rId4"/>
                 <a:stretch>
-                  <a:fillRect l="-1382" t="-1976"/>
+                  <a:fillRect l="-1382" t="-1808"/>
                 </a:stretch>
               </a:blipFill>
             </p:spPr>
@@ -7761,6 +8183,692 @@
 </file>
 
 <file path=ppt/slides/slide5.xml><?xml version="1.0" encoding="utf-8"?>
+<p:sld xmlns:a="http://schemas.openxmlformats.org/drawingml/2006/main" xmlns:r="http://schemas.openxmlformats.org/officeDocument/2006/relationships" xmlns:p="http://schemas.openxmlformats.org/presentationml/2006/main">
+  <p:cSld>
+    <p:spTree>
+      <p:nvGrpSpPr>
+        <p:cNvPr id="1" name=""/>
+        <p:cNvGrpSpPr/>
+        <p:nvPr/>
+      </p:nvGrpSpPr>
+      <p:grpSpPr>
+        <a:xfrm>
+          <a:off x="0" y="0"/>
+          <a:ext cx="0" cy="0"/>
+          <a:chOff x="0" y="0"/>
+          <a:chExt cx="0" cy="0"/>
+        </a:xfrm>
+      </p:grpSpPr>
+      <p:sp>
+        <p:nvSpPr>
+          <p:cNvPr id="4" name="正方形/長方形 3">
+            <a:extLst>
+              <a:ext uri="{FF2B5EF4-FFF2-40B4-BE49-F238E27FC236}">
+                <a16:creationId xmlns:a16="http://schemas.microsoft.com/office/drawing/2014/main" id="{537B97F4-E983-2356-6027-1540E66EAFCE}"/>
+              </a:ext>
+            </a:extLst>
+          </p:cNvPr>
+          <p:cNvSpPr/>
+          <p:nvPr/>
+        </p:nvSpPr>
+        <p:spPr>
+          <a:xfrm>
+            <a:off x="0" y="0"/>
+            <a:ext cx="12256168" cy="6858000"/>
+          </a:xfrm>
+          <a:prstGeom prst="rect">
+            <a:avLst/>
+          </a:prstGeom>
+          <a:solidFill>
+            <a:schemeClr val="accent2">
+              <a:lumMod val="20000"/>
+              <a:lumOff val="80000"/>
+            </a:schemeClr>
+          </a:solidFill>
+        </p:spPr>
+        <p:style>
+          <a:lnRef idx="2">
+            <a:schemeClr val="accent2">
+              <a:shade val="50000"/>
+            </a:schemeClr>
+          </a:lnRef>
+          <a:fillRef idx="1">
+            <a:schemeClr val="accent2"/>
+          </a:fillRef>
+          <a:effectRef idx="0">
+            <a:schemeClr val="accent2"/>
+          </a:effectRef>
+          <a:fontRef idx="minor">
+            <a:schemeClr val="lt1"/>
+          </a:fontRef>
+        </p:style>
+        <p:txBody>
+          <a:bodyPr rtlCol="0" anchor="ctr"/>
+          <a:lstStyle/>
+          <a:p>
+            <a:pPr algn="ctr"/>
+            <a:endParaRPr kumimoji="1" lang="ja-JP" altLang="en-US" sz="4800" b="1" dirty="0">
+              <a:solidFill>
+                <a:schemeClr val="tx1"/>
+              </a:solidFill>
+            </a:endParaRPr>
+          </a:p>
+        </p:txBody>
+      </p:sp>
+      <p:sp>
+        <p:nvSpPr>
+          <p:cNvPr id="5" name="正方形/長方形 4">
+            <a:extLst>
+              <a:ext uri="{FF2B5EF4-FFF2-40B4-BE49-F238E27FC236}">
+                <a16:creationId xmlns:a16="http://schemas.microsoft.com/office/drawing/2014/main" id="{13E2DDFB-DD74-1E35-6872-347ED082CB3D}"/>
+              </a:ext>
+            </a:extLst>
+          </p:cNvPr>
+          <p:cNvSpPr/>
+          <p:nvPr/>
+        </p:nvSpPr>
+        <p:spPr>
+          <a:xfrm>
+            <a:off x="-19050" y="1634243"/>
+            <a:ext cx="12256168" cy="96253"/>
+          </a:xfrm>
+          <a:prstGeom prst="rect">
+            <a:avLst/>
+          </a:prstGeom>
+          <a:solidFill>
+            <a:schemeClr val="accent2">
+              <a:lumMod val="75000"/>
+            </a:schemeClr>
+          </a:solidFill>
+          <a:ln>
+            <a:noFill/>
+          </a:ln>
+        </p:spPr>
+        <p:style>
+          <a:lnRef idx="2">
+            <a:schemeClr val="accent1">
+              <a:shade val="50000"/>
+            </a:schemeClr>
+          </a:lnRef>
+          <a:fillRef idx="1">
+            <a:schemeClr val="accent1"/>
+          </a:fillRef>
+          <a:effectRef idx="0">
+            <a:schemeClr val="accent1"/>
+          </a:effectRef>
+          <a:fontRef idx="minor">
+            <a:schemeClr val="lt1"/>
+          </a:fontRef>
+        </p:style>
+        <p:txBody>
+          <a:bodyPr rtlCol="0" anchor="ctr"/>
+          <a:lstStyle/>
+          <a:p>
+            <a:pPr algn="ctr"/>
+            <a:endParaRPr kumimoji="1" lang="ja-JP" altLang="en-US"/>
+          </a:p>
+        </p:txBody>
+      </p:sp>
+      <p:sp>
+        <p:nvSpPr>
+          <p:cNvPr id="8" name="正方形/長方形 7">
+            <a:extLst>
+              <a:ext uri="{FF2B5EF4-FFF2-40B4-BE49-F238E27FC236}">
+                <a16:creationId xmlns:a16="http://schemas.microsoft.com/office/drawing/2014/main" id="{9174F777-3707-B77E-F507-44E2665CBD04}"/>
+              </a:ext>
+            </a:extLst>
+          </p:cNvPr>
+          <p:cNvSpPr/>
+          <p:nvPr/>
+        </p:nvSpPr>
+        <p:spPr>
+          <a:xfrm flipH="1">
+            <a:off x="808350" y="489284"/>
+            <a:ext cx="162196" cy="755210"/>
+          </a:xfrm>
+          <a:prstGeom prst="rect">
+            <a:avLst/>
+          </a:prstGeom>
+          <a:solidFill>
+            <a:schemeClr val="accent2">
+              <a:lumMod val="75000"/>
+            </a:schemeClr>
+          </a:solidFill>
+          <a:ln>
+            <a:noFill/>
+          </a:ln>
+        </p:spPr>
+        <p:style>
+          <a:lnRef idx="2">
+            <a:schemeClr val="accent1">
+              <a:shade val="50000"/>
+            </a:schemeClr>
+          </a:lnRef>
+          <a:fillRef idx="1">
+            <a:schemeClr val="accent1"/>
+          </a:fillRef>
+          <a:effectRef idx="0">
+            <a:schemeClr val="accent1"/>
+          </a:effectRef>
+          <a:fontRef idx="minor">
+            <a:schemeClr val="lt1"/>
+          </a:fontRef>
+        </p:style>
+        <p:txBody>
+          <a:bodyPr rtlCol="0" anchor="ctr"/>
+          <a:lstStyle/>
+          <a:p>
+            <a:pPr algn="ctr"/>
+            <a:endParaRPr kumimoji="1" lang="ja-JP" altLang="en-US"/>
+          </a:p>
+        </p:txBody>
+      </p:sp>
+      <p:sp>
+        <p:nvSpPr>
+          <p:cNvPr id="2" name="テキスト ボックス 1">
+            <a:extLst>
+              <a:ext uri="{FF2B5EF4-FFF2-40B4-BE49-F238E27FC236}">
+                <a16:creationId xmlns:a16="http://schemas.microsoft.com/office/drawing/2014/main" id="{FBE8D77F-117D-48DC-A527-1721EC553375}"/>
+              </a:ext>
+            </a:extLst>
+          </p:cNvPr>
+          <p:cNvSpPr txBox="1"/>
+          <p:nvPr/>
+        </p:nvSpPr>
+        <p:spPr>
+          <a:xfrm>
+            <a:off x="1138985" y="325084"/>
+            <a:ext cx="9074863" cy="1015663"/>
+          </a:xfrm>
+          <a:prstGeom prst="rect">
+            <a:avLst/>
+          </a:prstGeom>
+          <a:noFill/>
+        </p:spPr>
+        <p:txBody>
+          <a:bodyPr wrap="square" rtlCol="0">
+            <a:spAutoFit/>
+          </a:bodyPr>
+          <a:lstStyle/>
+          <a:p>
+            <a:r>
+              <a:rPr lang="ja-JP" altLang="en-US" sz="6000" dirty="0">
+                <a:latin typeface="HGS創英角ｺﾞｼｯｸUB" panose="020B0900000000000000" pitchFamily="50" charset="-128"/>
+                <a:ea typeface="HGS創英角ｺﾞｼｯｸUB" panose="020B0900000000000000" pitchFamily="50" charset="-128"/>
+              </a:rPr>
+              <a:t>集中度合いの定義</a:t>
+            </a:r>
+            <a:endParaRPr kumimoji="1" lang="ja-JP" altLang="en-US" sz="6000" dirty="0">
+              <a:latin typeface="HGS創英角ｺﾞｼｯｸUB" panose="020B0900000000000000" pitchFamily="50" charset="-128"/>
+              <a:ea typeface="HGS創英角ｺﾞｼｯｸUB" panose="020B0900000000000000" pitchFamily="50" charset="-128"/>
+            </a:endParaRPr>
+          </a:p>
+        </p:txBody>
+      </p:sp>
+      <mc:AlternateContent xmlns:mc="http://schemas.openxmlformats.org/markup-compatibility/2006" xmlns:p14="http://schemas.microsoft.com/office/powerpoint/2010/main">
+        <mc:Choice Requires="p14">
+          <p:contentPart p14:bwMode="auto" r:id="rId2">
+            <p14:nvContentPartPr>
+              <p14:cNvPr id="22" name="インク 21">
+                <a:extLst>
+                  <a:ext uri="{FF2B5EF4-FFF2-40B4-BE49-F238E27FC236}">
+                    <a16:creationId xmlns:a16="http://schemas.microsoft.com/office/drawing/2014/main" id="{D4DA94EC-B5B1-ECB3-5618-933E628EE936}"/>
+                  </a:ext>
+                </a:extLst>
+              </p14:cNvPr>
+              <p14:cNvContentPartPr/>
+              <p14:nvPr/>
+            </p14:nvContentPartPr>
+            <p14:xfrm>
+              <a:off x="-2415388" y="785280"/>
+              <a:ext cx="360" cy="360"/>
+            </p14:xfrm>
+          </p:contentPart>
+        </mc:Choice>
+        <mc:Fallback xmlns="">
+          <p:pic>
+            <p:nvPicPr>
+              <p:cNvPr id="22" name="インク 21">
+                <a:extLst>
+                  <a:ext uri="{FF2B5EF4-FFF2-40B4-BE49-F238E27FC236}">
+                    <a16:creationId xmlns:a16="http://schemas.microsoft.com/office/drawing/2014/main" id="{D4DA94EC-B5B1-ECB3-5618-933E628EE936}"/>
+                  </a:ext>
+                </a:extLst>
+              </p:cNvPr>
+              <p:cNvPicPr/>
+              <p:nvPr/>
+            </p:nvPicPr>
+            <p:blipFill>
+              <a:blip r:embed="rId3"/>
+              <a:stretch>
+                <a:fillRect/>
+              </a:stretch>
+            </p:blipFill>
+            <p:spPr>
+              <a:xfrm>
+                <a:off x="-2424388" y="776280"/>
+                <a:ext cx="18000" cy="18000"/>
+              </a:xfrm>
+              <a:prstGeom prst="rect">
+                <a:avLst/>
+              </a:prstGeom>
+            </p:spPr>
+          </p:pic>
+        </mc:Fallback>
+      </mc:AlternateContent>
+      <mc:AlternateContent xmlns:mc="http://schemas.openxmlformats.org/markup-compatibility/2006">
+        <mc:Choice xmlns:a14="http://schemas.microsoft.com/office/drawing/2010/main" Requires="a14">
+          <p:sp>
+            <p:nvSpPr>
+              <p:cNvPr id="16" name="テキスト ボックス 15">
+                <a:extLst>
+                  <a:ext uri="{FF2B5EF4-FFF2-40B4-BE49-F238E27FC236}">
+                    <a16:creationId xmlns:a16="http://schemas.microsoft.com/office/drawing/2014/main" id="{46F216BF-2A30-6741-3EA5-2EFD1BA1CE4F}"/>
+                  </a:ext>
+                </a:extLst>
+              </p:cNvPr>
+              <p:cNvSpPr txBox="1"/>
+              <p:nvPr/>
+            </p:nvSpPr>
+            <p:spPr>
+              <a:xfrm>
+                <a:off x="808350" y="2023992"/>
+                <a:ext cx="11466868" cy="4380430"/>
+              </a:xfrm>
+              <a:prstGeom prst="rect">
+                <a:avLst/>
+              </a:prstGeom>
+              <a:noFill/>
+            </p:spPr>
+            <p:txBody>
+              <a:bodyPr wrap="square" rtlCol="0">
+                <a:spAutoFit/>
+              </a:bodyPr>
+              <a:lstStyle/>
+              <a:p>
+                <a:r>
+                  <a:rPr kumimoji="1" lang="ja-JP" altLang="en-US" sz="3200" u="sng" dirty="0">
+                    <a:latin typeface="HGS創英角ｺﾞｼｯｸUB" panose="020B0900000000000000" pitchFamily="50" charset="-128"/>
+                    <a:ea typeface="HGS創英角ｺﾞｼｯｸUB" panose="020B0900000000000000" pitchFamily="50" charset="-128"/>
+                  </a:rPr>
+                  <a:t>・</a:t>
+                </a:r>
+                <a:r>
+                  <a:rPr lang="ja-JP" altLang="en-US" sz="3200" u="sng" dirty="0">
+                    <a:latin typeface="HGS創英角ｺﾞｼｯｸUB" panose="020B0900000000000000" pitchFamily="50" charset="-128"/>
+                    <a:ea typeface="HGS創英角ｺﾞｼｯｸUB" panose="020B0900000000000000" pitchFamily="50" charset="-128"/>
+                  </a:rPr>
+                  <a:t>集中力度合いの定義</a:t>
+                </a:r>
+                <a:r>
+                  <a:rPr lang="en-US" altLang="ja-JP" sz="3200" u="sng" dirty="0">
+                    <a:latin typeface="HGS創英角ｺﾞｼｯｸUB" panose="020B0900000000000000" pitchFamily="50" charset="-128"/>
+                    <a:ea typeface="HGS創英角ｺﾞｼｯｸUB" panose="020B0900000000000000" pitchFamily="50" charset="-128"/>
+                  </a:rPr>
+                  <a:t> </a:t>
+                </a:r>
+                <a:endParaRPr lang="en-US" altLang="ja-JP" sz="3200" dirty="0">
+                  <a:latin typeface="HGS創英角ｺﾞｼｯｸUB" panose="020B0900000000000000" pitchFamily="50" charset="-128"/>
+                  <a:ea typeface="HGS創英角ｺﾞｼｯｸUB" panose="020B0900000000000000" pitchFamily="50" charset="-128"/>
+                </a:endParaRPr>
+              </a:p>
+              <a:p>
+                <a:endParaRPr kumimoji="1" lang="en-US" altLang="ja-JP" sz="1050" u="sng" dirty="0">
+                  <a:latin typeface="HGS創英角ｺﾞｼｯｸUB" panose="020B0900000000000000" pitchFamily="50" charset="-128"/>
+                  <a:ea typeface="HGS創英角ｺﾞｼｯｸUB" panose="020B0900000000000000" pitchFamily="50" charset="-128"/>
+                </a:endParaRPr>
+              </a:p>
+              <a:p>
+                <a:pPr/>
+                <a14:m>
+                  <m:oMathPara xmlns:m="http://schemas.openxmlformats.org/officeDocument/2006/math">
+                    <m:oMathParaPr>
+                      <m:jc m:val="centerGroup"/>
+                    </m:oMathParaPr>
+                    <m:oMath xmlns:m="http://schemas.openxmlformats.org/officeDocument/2006/math">
+                      <m:f>
+                        <m:fPr>
+                          <m:ctrlPr>
+                            <a:rPr kumimoji="1" lang="en-US" altLang="ja-JP" sz="2800" i="1" smtClean="0">
+                              <a:latin typeface="Cambria Math" panose="02040503050406030204" pitchFamily="18" charset="0"/>
+                              <a:ea typeface="HGPｺﾞｼｯｸE" panose="020B0900000000000000" pitchFamily="50" charset="-128"/>
+                            </a:rPr>
+                          </m:ctrlPr>
+                        </m:fPr>
+                        <m:num>
+                          <m:sSub>
+                            <m:sSubPr>
+                              <m:ctrlPr>
+                                <a:rPr kumimoji="1" lang="en-US" altLang="ja-JP" sz="2800" i="1" smtClean="0">
+                                  <a:latin typeface="Cambria Math" panose="02040503050406030204" pitchFamily="18" charset="0"/>
+                                  <a:ea typeface="HGPｺﾞｼｯｸE" panose="020B0900000000000000" pitchFamily="50" charset="-128"/>
+                                </a:rPr>
+                              </m:ctrlPr>
+                            </m:sSubPr>
+                            <m:e>
+                              <m:r>
+                                <m:rPr>
+                                  <m:sty m:val="p"/>
+                                </m:rPr>
+                                <a:rPr lang="en-US" altLang="ja-JP" sz="2800" i="1">
+                                  <a:latin typeface="Cambria Math" panose="02040503050406030204" pitchFamily="18" charset="0"/>
+                                  <a:ea typeface="HGPｺﾞｼｯｸE" panose="020B0900000000000000" pitchFamily="50" charset="-128"/>
+                                </a:rPr>
+                                <m:t>A</m:t>
+                              </m:r>
+                            </m:e>
+                            <m:sub>
+                              <m:r>
+                                <a:rPr kumimoji="1" lang="en-US" altLang="ja-JP" sz="2800" b="0" i="1" smtClean="0">
+                                  <a:latin typeface="Cambria Math" panose="02040503050406030204" pitchFamily="18" charset="0"/>
+                                  <a:ea typeface="HGPｺﾞｼｯｸE" panose="020B0900000000000000" pitchFamily="50" charset="-128"/>
+                                </a:rPr>
+                                <m:t>𝑖</m:t>
+                              </m:r>
+                            </m:sub>
+                          </m:sSub>
+                        </m:num>
+                        <m:den>
+                          <m:r>
+                            <a:rPr lang="ja-JP" altLang="en-US" sz="2800" i="1">
+                              <a:latin typeface="Cambria Math" panose="02040503050406030204" pitchFamily="18" charset="0"/>
+                              <a:ea typeface="HGPｺﾞｼｯｸE" panose="020B0900000000000000" pitchFamily="50" charset="-128"/>
+                            </a:rPr>
+                            <m:t>全体の</m:t>
+                          </m:r>
+                          <m:r>
+                            <a:rPr lang="ja-JP" altLang="en-US" sz="2800" i="1" smtClean="0">
+                              <a:latin typeface="Cambria Math" panose="02040503050406030204" pitchFamily="18" charset="0"/>
+                              <a:ea typeface="HGPｺﾞｼｯｸE" panose="020B0900000000000000" pitchFamily="50" charset="-128"/>
+                            </a:rPr>
+                            <m:t>正答率</m:t>
+                          </m:r>
+                        </m:den>
+                      </m:f>
+                      <m:r>
+                        <a:rPr kumimoji="1" lang="en-US" altLang="ja-JP" sz="2800" i="1" smtClean="0">
+                          <a:latin typeface="Cambria Math" panose="02040503050406030204" pitchFamily="18" charset="0"/>
+                          <a:ea typeface="Cambria Math" panose="02040503050406030204" pitchFamily="18" charset="0"/>
+                        </a:rPr>
+                        <m:t>×</m:t>
+                      </m:r>
+                      <m:f>
+                        <m:fPr>
+                          <m:ctrlPr>
+                            <a:rPr kumimoji="1" lang="en-US" altLang="ja-JP" sz="2800" i="1" smtClean="0">
+                              <a:latin typeface="Cambria Math" panose="02040503050406030204" pitchFamily="18" charset="0"/>
+                              <a:ea typeface="Cambria Math" panose="02040503050406030204" pitchFamily="18" charset="0"/>
+                            </a:rPr>
+                          </m:ctrlPr>
+                        </m:fPr>
+                        <m:num>
+                          <m:r>
+                            <a:rPr lang="ja-JP" altLang="en-US" sz="2800" i="1">
+                              <a:latin typeface="Cambria Math" panose="02040503050406030204" pitchFamily="18" charset="0"/>
+                              <a:ea typeface="HGPｺﾞｼｯｸE" panose="020B0900000000000000" pitchFamily="50" charset="-128"/>
+                            </a:rPr>
+                            <m:t>全体のブロック当たりの平均回答時間</m:t>
+                          </m:r>
+                        </m:num>
+                        <m:den>
+                          <m:r>
+                            <a:rPr lang="ja-JP" altLang="en-US" sz="2800" i="1">
+                              <a:latin typeface="Cambria Math" panose="02040503050406030204" pitchFamily="18" charset="0"/>
+                              <a:ea typeface="HGPｺﾞｼｯｸE" panose="020B0900000000000000" pitchFamily="50" charset="-128"/>
+                            </a:rPr>
+                            <m:t>ブロック</m:t>
+                          </m:r>
+                          <m:r>
+                            <a:rPr lang="ja-JP" altLang="en-US" sz="2800" i="1" smtClean="0">
+                              <a:latin typeface="Cambria Math" panose="02040503050406030204" pitchFamily="18" charset="0"/>
+                              <a:ea typeface="HGPｺﾞｼｯｸE" panose="020B0900000000000000" pitchFamily="50" charset="-128"/>
+                            </a:rPr>
+                            <m:t>ごと</m:t>
+                          </m:r>
+                          <m:r>
+                            <a:rPr lang="ja-JP" altLang="en-US" sz="2800" i="1">
+                              <a:latin typeface="Cambria Math" panose="02040503050406030204" pitchFamily="18" charset="0"/>
+                              <a:ea typeface="HGPｺﾞｼｯｸE" panose="020B0900000000000000" pitchFamily="50" charset="-128"/>
+                            </a:rPr>
+                            <m:t>の</m:t>
+                          </m:r>
+                          <m:r>
+                            <a:rPr lang="ja-JP" altLang="en-US" sz="2800" i="1" smtClean="0">
+                              <a:latin typeface="Cambria Math" panose="02040503050406030204" pitchFamily="18" charset="0"/>
+                              <a:ea typeface="HGPｺﾞｼｯｸE" panose="020B0900000000000000" pitchFamily="50" charset="-128"/>
+                            </a:rPr>
+                            <m:t>平均</m:t>
+                          </m:r>
+                          <m:r>
+                            <a:rPr lang="ja-JP" altLang="en-US" sz="2800" i="1">
+                              <a:latin typeface="Cambria Math" panose="02040503050406030204" pitchFamily="18" charset="0"/>
+                              <a:ea typeface="HGPｺﾞｼｯｸE" panose="020B0900000000000000" pitchFamily="50" charset="-128"/>
+                            </a:rPr>
+                            <m:t>回答時間</m:t>
+                          </m:r>
+                        </m:den>
+                      </m:f>
+                    </m:oMath>
+                  </m:oMathPara>
+                </a14:m>
+                <a:endParaRPr kumimoji="1" lang="en-US" altLang="ja-JP" sz="2800" dirty="0">
+                  <a:latin typeface="HGPｺﾞｼｯｸE" panose="020B0900000000000000" pitchFamily="50" charset="-128"/>
+                  <a:ea typeface="HGPｺﾞｼｯｸE" panose="020B0900000000000000" pitchFamily="50" charset="-128"/>
+                </a:endParaRPr>
+              </a:p>
+              <a:p>
+                <a:endParaRPr lang="en-US" altLang="ja-JP" sz="3200" u="sng" dirty="0">
+                  <a:latin typeface="HGPｺﾞｼｯｸE" panose="020B0900000000000000" pitchFamily="50" charset="-128"/>
+                  <a:ea typeface="HGPｺﾞｼｯｸE" panose="020B0900000000000000" pitchFamily="50" charset="-128"/>
+                </a:endParaRPr>
+              </a:p>
+              <a:p>
+                <a14:m>
+                  <m:oMath xmlns:m="http://schemas.openxmlformats.org/officeDocument/2006/math">
+                    <m:sSub>
+                      <m:sSubPr>
+                        <m:ctrlPr>
+                          <a:rPr kumimoji="1" lang="en-US" altLang="ja-JP" sz="2400" i="1" smtClean="0">
+                            <a:latin typeface="Cambria Math" panose="02040503050406030204" pitchFamily="18" charset="0"/>
+                            <a:ea typeface="HGPｺﾞｼｯｸE" panose="020B0900000000000000" pitchFamily="50" charset="-128"/>
+                          </a:rPr>
+                        </m:ctrlPr>
+                      </m:sSubPr>
+                      <m:e>
+                        <m:r>
+                          <m:rPr>
+                            <m:sty m:val="p"/>
+                          </m:rPr>
+                          <a:rPr lang="en-US" altLang="ja-JP" sz="2400" i="1">
+                            <a:latin typeface="Cambria Math" panose="02040503050406030204" pitchFamily="18" charset="0"/>
+                            <a:ea typeface="HGPｺﾞｼｯｸE" panose="020B0900000000000000" pitchFamily="50" charset="-128"/>
+                          </a:rPr>
+                          <m:t>A</m:t>
+                        </m:r>
+                      </m:e>
+                      <m:sub>
+                        <m:r>
+                          <a:rPr kumimoji="1" lang="en-US" altLang="ja-JP" sz="2400" b="0" i="1" smtClean="0">
+                            <a:latin typeface="Cambria Math" panose="02040503050406030204" pitchFamily="18" charset="0"/>
+                            <a:ea typeface="HGPｺﾞｼｯｸE" panose="020B0900000000000000" pitchFamily="50" charset="-128"/>
+                          </a:rPr>
+                          <m:t>𝑖</m:t>
+                        </m:r>
+                      </m:sub>
+                    </m:sSub>
+                  </m:oMath>
+                </a14:m>
+                <a:r>
+                  <a:rPr kumimoji="1" lang="en-US" altLang="ja-JP" sz="2400" dirty="0">
+                    <a:latin typeface="HGPｺﾞｼｯｸE" panose="020B0900000000000000" pitchFamily="50" charset="-128"/>
+                    <a:ea typeface="HGPｺﾞｼｯｸE" panose="020B0900000000000000" pitchFamily="50" charset="-128"/>
+                  </a:rPr>
+                  <a:t> : </a:t>
+                </a:r>
+                <a14:m>
+                  <m:oMath xmlns:m="http://schemas.openxmlformats.org/officeDocument/2006/math">
+                    <m:r>
+                      <a:rPr kumimoji="1" lang="en-US" altLang="ja-JP" sz="2400" b="0" i="1" smtClean="0">
+                        <a:latin typeface="Cambria Math" panose="02040503050406030204" pitchFamily="18" charset="0"/>
+                        <a:ea typeface="HGPｺﾞｼｯｸE" panose="020B0900000000000000" pitchFamily="50" charset="-128"/>
+                      </a:rPr>
+                      <m:t>𝑖</m:t>
+                    </m:r>
+                  </m:oMath>
+                </a14:m>
+                <a:r>
+                  <a:rPr kumimoji="1" lang="ja-JP" altLang="en-US" sz="2400" dirty="0">
+                    <a:latin typeface="HGPｺﾞｼｯｸE" panose="020B0900000000000000" pitchFamily="50" charset="-128"/>
+                    <a:ea typeface="HGPｺﾞｼｯｸE" panose="020B0900000000000000" pitchFamily="50" charset="-128"/>
+                  </a:rPr>
+                  <a:t>ブロックの正答率</a:t>
+                </a:r>
+                <a:endParaRPr kumimoji="1" lang="en-US" altLang="ja-JP" sz="2400" dirty="0">
+                  <a:latin typeface="HGPｺﾞｼｯｸE" panose="020B0900000000000000" pitchFamily="50" charset="-128"/>
+                  <a:ea typeface="HGPｺﾞｼｯｸE" panose="020B0900000000000000" pitchFamily="50" charset="-128"/>
+                </a:endParaRPr>
+              </a:p>
+              <a:p>
+                <a:endParaRPr kumimoji="1" lang="en-US" altLang="ja-JP" sz="2400" dirty="0">
+                  <a:latin typeface="HGPｺﾞｼｯｸE" panose="020B0900000000000000" pitchFamily="50" charset="-128"/>
+                  <a:ea typeface="HGPｺﾞｼｯｸE" panose="020B0900000000000000" pitchFamily="50" charset="-128"/>
+                </a:endParaRPr>
+              </a:p>
+              <a:p>
+                <a:r>
+                  <a:rPr kumimoji="1" lang="ja-JP" altLang="en-US" sz="2400" dirty="0">
+                    <a:latin typeface="HGPｺﾞｼｯｸE" panose="020B0900000000000000" pitchFamily="50" charset="-128"/>
+                    <a:ea typeface="HGPｺﾞｼｯｸE" panose="020B0900000000000000" pitchFamily="50" charset="-128"/>
+                  </a:rPr>
+                  <a:t>ブロックとは</a:t>
+                </a:r>
+                <a:r>
+                  <a:rPr kumimoji="1" lang="en-US" altLang="ja-JP" sz="2400" dirty="0">
+                    <a:latin typeface="HGPｺﾞｼｯｸE" panose="020B0900000000000000" pitchFamily="50" charset="-128"/>
+                    <a:ea typeface="HGPｺﾞｼｯｸE" panose="020B0900000000000000" pitchFamily="50" charset="-128"/>
+                  </a:rPr>
+                  <a:t>5</a:t>
+                </a:r>
+                <a:r>
+                  <a:rPr kumimoji="1" lang="ja-JP" altLang="en-US" sz="2400" dirty="0">
+                    <a:latin typeface="HGPｺﾞｼｯｸE" panose="020B0900000000000000" pitchFamily="50" charset="-128"/>
+                    <a:ea typeface="HGPｺﾞｼｯｸE" panose="020B0900000000000000" pitchFamily="50" charset="-128"/>
+                  </a:rPr>
+                  <a:t>問ごとに分けた</a:t>
+                </a:r>
+                <a:r>
+                  <a:rPr kumimoji="1" lang="en-US" altLang="ja-JP" sz="2400" dirty="0">
+                    <a:latin typeface="HGPｺﾞｼｯｸE" panose="020B0900000000000000" pitchFamily="50" charset="-128"/>
+                    <a:ea typeface="HGPｺﾞｼｯｸE" panose="020B0900000000000000" pitchFamily="50" charset="-128"/>
+                  </a:rPr>
+                  <a:t>6</a:t>
+                </a:r>
+                <a:r>
+                  <a:rPr kumimoji="1" lang="ja-JP" altLang="en-US" sz="2400" dirty="0">
+                    <a:latin typeface="HGPｺﾞｼｯｸE" panose="020B0900000000000000" pitchFamily="50" charset="-128"/>
+                    <a:ea typeface="HGPｺﾞｼｯｸE" panose="020B0900000000000000" pitchFamily="50" charset="-128"/>
+                  </a:rPr>
+                  <a:t>つのグループのことを指す。</a:t>
+                </a:r>
+                <a:endParaRPr kumimoji="1" lang="en-US" altLang="ja-JP" sz="2400" dirty="0">
+                  <a:latin typeface="HGPｺﾞｼｯｸE" panose="020B0900000000000000" pitchFamily="50" charset="-128"/>
+                  <a:ea typeface="HGPｺﾞｼｯｸE" panose="020B0900000000000000" pitchFamily="50" charset="-128"/>
+                </a:endParaRPr>
+              </a:p>
+              <a:p>
+                <a:endParaRPr lang="en-US" altLang="ja-JP" sz="2400" dirty="0">
+                  <a:latin typeface="HGPｺﾞｼｯｸE" panose="020B0900000000000000" pitchFamily="50" charset="-128"/>
+                  <a:ea typeface="HGPｺﾞｼｯｸE" panose="020B0900000000000000" pitchFamily="50" charset="-128"/>
+                </a:endParaRPr>
+              </a:p>
+              <a:p>
+                <a:r>
+                  <a:rPr kumimoji="1" lang="ja-JP" altLang="en-US" sz="2400" dirty="0">
+                    <a:latin typeface="HGPｺﾞｼｯｸE" panose="020B0900000000000000" pitchFamily="50" charset="-128"/>
+                    <a:ea typeface="HGPｺﾞｼｯｸE" panose="020B0900000000000000" pitchFamily="50" charset="-128"/>
+                  </a:rPr>
+                  <a:t>➞ブロックの</a:t>
+                </a:r>
+                <a:r>
+                  <a:rPr lang="ja-JP" altLang="en-US" sz="2400" dirty="0">
+                    <a:latin typeface="HGPｺﾞｼｯｸE" panose="020B0900000000000000" pitchFamily="50" charset="-128"/>
+                    <a:ea typeface="HGPｺﾞｼｯｸE" panose="020B0900000000000000" pitchFamily="50" charset="-128"/>
+                  </a:rPr>
+                  <a:t>正答率が高く、平均回答時間が短ければ集中度合いが高いとなる</a:t>
+                </a:r>
+                <a:endParaRPr kumimoji="1" lang="en-US" altLang="ja-JP" sz="2400" dirty="0">
+                  <a:latin typeface="HGPｺﾞｼｯｸE" panose="020B0900000000000000" pitchFamily="50" charset="-128"/>
+                  <a:ea typeface="HGPｺﾞｼｯｸE" panose="020B0900000000000000" pitchFamily="50" charset="-128"/>
+                </a:endParaRPr>
+              </a:p>
+              <a:p>
+                <a:endParaRPr lang="en-US" altLang="ja-JP" sz="2400" dirty="0">
+                  <a:latin typeface="HGPｺﾞｼｯｸE" panose="020B0900000000000000" pitchFamily="50" charset="-128"/>
+                  <a:ea typeface="HGPｺﾞｼｯｸE" panose="020B0900000000000000" pitchFamily="50" charset="-128"/>
+                </a:endParaRPr>
+              </a:p>
+            </p:txBody>
+          </p:sp>
+        </mc:Choice>
+        <mc:Fallback>
+          <p:sp>
+            <p:nvSpPr>
+              <p:cNvPr id="16" name="テキスト ボックス 15">
+                <a:extLst>
+                  <a:ext uri="{FF2B5EF4-FFF2-40B4-BE49-F238E27FC236}">
+                    <a16:creationId xmlns:a16="http://schemas.microsoft.com/office/drawing/2014/main" id="{46F216BF-2A30-6741-3EA5-2EFD1BA1CE4F}"/>
+                  </a:ext>
+                </a:extLst>
+              </p:cNvPr>
+              <p:cNvSpPr txBox="1">
+                <a:spLocks noRot="1" noChangeAspect="1" noMove="1" noResize="1" noEditPoints="1" noAdjustHandles="1" noChangeArrowheads="1" noChangeShapeType="1" noTextEdit="1"/>
+              </p:cNvSpPr>
+              <p:nvPr/>
+            </p:nvSpPr>
+            <p:spPr>
+              <a:xfrm>
+                <a:off x="808350" y="2023992"/>
+                <a:ext cx="11466868" cy="4380430"/>
+              </a:xfrm>
+              <a:prstGeom prst="rect">
+                <a:avLst/>
+              </a:prstGeom>
+              <a:blipFill>
+                <a:blip r:embed="rId4"/>
+                <a:stretch>
+                  <a:fillRect l="-1382" t="-1808"/>
+                </a:stretch>
+              </a:blipFill>
+            </p:spPr>
+            <p:txBody>
+              <a:bodyPr/>
+              <a:lstStyle/>
+              <a:p>
+                <a:r>
+                  <a:rPr lang="ja-JP" altLang="en-US">
+                    <a:noFill/>
+                  </a:rPr>
+                  <a:t> </a:t>
+                </a:r>
+              </a:p>
+            </p:txBody>
+          </p:sp>
+        </mc:Fallback>
+      </mc:AlternateContent>
+    </p:spTree>
+    <p:extLst>
+      <p:ext uri="{BB962C8B-B14F-4D97-AF65-F5344CB8AC3E}">
+        <p14:creationId xmlns:p14="http://schemas.microsoft.com/office/powerpoint/2010/main" val="3245378568"/>
+      </p:ext>
+    </p:extLst>
+  </p:cSld>
+  <p:clrMapOvr>
+    <a:masterClrMapping/>
+  </p:clrMapOvr>
+</p:sld>
+</file>
+
+<file path=ppt/slides/slide6.xml><?xml version="1.0" encoding="utf-8"?>
 <p:sld xmlns:a="http://schemas.openxmlformats.org/drawingml/2006/main" xmlns:r="http://schemas.openxmlformats.org/officeDocument/2006/relationships" xmlns:p="http://schemas.openxmlformats.org/presentationml/2006/main">
   <p:cSld>
     <p:spTree>
@@ -8221,7 +9329,7 @@
 </p:sld>
 </file>
 
-<file path=ppt/slides/slide6.xml><?xml version="1.0" encoding="utf-8"?>
+<file path=ppt/slides/slide7.xml><?xml version="1.0" encoding="utf-8"?>
 <p:sld xmlns:a="http://schemas.openxmlformats.org/drawingml/2006/main" xmlns:r="http://schemas.openxmlformats.org/officeDocument/2006/relationships" xmlns:p="http://schemas.openxmlformats.org/presentationml/2006/main">
   <p:cSld>
     <p:spTree>
@@ -8538,7 +9646,7 @@
 </p:sld>
 </file>
 
-<file path=ppt/slides/slide7.xml><?xml version="1.0" encoding="utf-8"?>
+<file path=ppt/slides/slide8.xml><?xml version="1.0" encoding="utf-8"?>
 <p:sld xmlns:a="http://schemas.openxmlformats.org/drawingml/2006/main" xmlns:r="http://schemas.openxmlformats.org/officeDocument/2006/relationships" xmlns:p="http://schemas.openxmlformats.org/presentationml/2006/main">
   <p:cSld>
     <p:spTree>
@@ -8901,6 +10009,82 @@
           </a:p>
         </p:txBody>
       </p:sp>
+      <p:sp>
+        <p:nvSpPr>
+          <p:cNvPr id="9" name="テキスト ボックス 8">
+            <a:extLst>
+              <a:ext uri="{FF2B5EF4-FFF2-40B4-BE49-F238E27FC236}">
+                <a16:creationId xmlns:a16="http://schemas.microsoft.com/office/drawing/2014/main" id="{811A757C-325F-9895-0B09-EF3638CDDC82}"/>
+              </a:ext>
+            </a:extLst>
+          </p:cNvPr>
+          <p:cNvSpPr txBox="1"/>
+          <p:nvPr/>
+        </p:nvSpPr>
+        <p:spPr>
+          <a:xfrm>
+            <a:off x="889447" y="5194091"/>
+            <a:ext cx="10795733" cy="1077218"/>
+          </a:xfrm>
+          <a:prstGeom prst="rect">
+            <a:avLst/>
+          </a:prstGeom>
+          <a:noFill/>
+        </p:spPr>
+        <p:txBody>
+          <a:bodyPr wrap="square">
+            <a:spAutoFit/>
+          </a:bodyPr>
+          <a:lstStyle/>
+          <a:p>
+            <a:r>
+              <a:rPr kumimoji="1" lang="ja-JP" altLang="en-US" sz="3200" u="sng" dirty="0">
+                <a:latin typeface="HGS創英角ｺﾞｼｯｸUB" panose="020B0900000000000000" pitchFamily="50" charset="-128"/>
+                <a:ea typeface="HGS創英角ｺﾞｼｯｸUB" panose="020B0900000000000000" pitchFamily="50" charset="-128"/>
+              </a:rPr>
+              <a:t>・</a:t>
+            </a:r>
+            <a:r>
+              <a:rPr lang="ja-JP" altLang="en-US" sz="3200" u="sng" dirty="0">
+                <a:latin typeface="HGS創英角ｺﾞｼｯｸUB" panose="020B0900000000000000" pitchFamily="50" charset="-128"/>
+                <a:ea typeface="HGS創英角ｺﾞｼｯｸUB" panose="020B0900000000000000" pitchFamily="50" charset="-128"/>
+              </a:rPr>
+              <a:t>実際に計測して集中力の計測</a:t>
+            </a:r>
+            <a:endParaRPr kumimoji="1" lang="en-US" altLang="ja-JP" sz="3200" u="sng" dirty="0">
+              <a:latin typeface="HGS創英角ｺﾞｼｯｸUB" panose="020B0900000000000000" pitchFamily="50" charset="-128"/>
+              <a:ea typeface="HGS創英角ｺﾞｼｯｸUB" panose="020B0900000000000000" pitchFamily="50" charset="-128"/>
+            </a:endParaRPr>
+          </a:p>
+          <a:p>
+            <a:r>
+              <a:rPr kumimoji="1" lang="ja-JP" altLang="en-US" sz="3200" dirty="0">
+                <a:latin typeface="HGPｺﾞｼｯｸE" panose="020B0900000000000000" pitchFamily="50" charset="-128"/>
+                <a:ea typeface="HGPｺﾞｼｯｸE" panose="020B0900000000000000" pitchFamily="50" charset="-128"/>
+              </a:rPr>
+              <a:t>➞実際に友人</a:t>
+            </a:r>
+            <a:r>
+              <a:rPr kumimoji="1" lang="en-US" altLang="ja-JP" sz="3200" dirty="0">
+                <a:latin typeface="HGPｺﾞｼｯｸE" panose="020B0900000000000000" pitchFamily="50" charset="-128"/>
+                <a:ea typeface="HGPｺﾞｼｯｸE" panose="020B0900000000000000" pitchFamily="50" charset="-128"/>
+              </a:rPr>
+              <a:t>1</a:t>
+            </a:r>
+            <a:r>
+              <a:rPr kumimoji="1" lang="ja-JP" altLang="en-US" sz="3200" dirty="0">
+                <a:latin typeface="HGPｺﾞｼｯｸE" panose="020B0900000000000000" pitchFamily="50" charset="-128"/>
+                <a:ea typeface="HGPｺﾞｼｯｸE" panose="020B0900000000000000" pitchFamily="50" charset="-128"/>
+              </a:rPr>
+              <a:t>人にタスクをやってもらい計測した。</a:t>
+            </a:r>
+            <a:endParaRPr kumimoji="1" lang="en-US" altLang="ja-JP" sz="3200" dirty="0">
+              <a:latin typeface="HGPｺﾞｼｯｸE" panose="020B0900000000000000" pitchFamily="50" charset="-128"/>
+              <a:ea typeface="HGPｺﾞｼｯｸE" panose="020B0900000000000000" pitchFamily="50" charset="-128"/>
+            </a:endParaRPr>
+          </a:p>
+        </p:txBody>
+      </p:sp>
     </p:spTree>
     <p:extLst>
       <p:ext uri="{BB962C8B-B14F-4D97-AF65-F5344CB8AC3E}">
@@ -8914,7 +10098,7 @@
 </p:sld>
 </file>
 
-<file path=ppt/slides/slide8.xml><?xml version="1.0" encoding="utf-8"?>
+<file path=ppt/slides/slide9.xml><?xml version="1.0" encoding="utf-8"?>
 <p:sld xmlns:a="http://schemas.openxmlformats.org/drawingml/2006/main" xmlns:r="http://schemas.openxmlformats.org/officeDocument/2006/relationships" xmlns:p="http://schemas.openxmlformats.org/presentationml/2006/main">
   <p:cSld>
     <p:spTree>
@@ -9222,323 +10406,6 @@
     <p:extLst>
       <p:ext uri="{BB962C8B-B14F-4D97-AF65-F5344CB8AC3E}">
         <p14:creationId xmlns:p14="http://schemas.microsoft.com/office/powerpoint/2010/main" val="4217975891"/>
-      </p:ext>
-    </p:extLst>
-  </p:cSld>
-  <p:clrMapOvr>
-    <a:masterClrMapping/>
-  </p:clrMapOvr>
-</p:sld>
-</file>
-
-<file path=ppt/slides/slide9.xml><?xml version="1.0" encoding="utf-8"?>
-<p:sld xmlns:a="http://schemas.openxmlformats.org/drawingml/2006/main" xmlns:r="http://schemas.openxmlformats.org/officeDocument/2006/relationships" xmlns:p="http://schemas.openxmlformats.org/presentationml/2006/main">
-  <p:cSld>
-    <p:spTree>
-      <p:nvGrpSpPr>
-        <p:cNvPr id="1" name=""/>
-        <p:cNvGrpSpPr/>
-        <p:nvPr/>
-      </p:nvGrpSpPr>
-      <p:grpSpPr>
-        <a:xfrm>
-          <a:off x="0" y="0"/>
-          <a:ext cx="0" cy="0"/>
-          <a:chOff x="0" y="0"/>
-          <a:chExt cx="0" cy="0"/>
-        </a:xfrm>
-      </p:grpSpPr>
-      <p:sp>
-        <p:nvSpPr>
-          <p:cNvPr id="4" name="正方形/長方形 3">
-            <a:extLst>
-              <a:ext uri="{FF2B5EF4-FFF2-40B4-BE49-F238E27FC236}">
-                <a16:creationId xmlns:a16="http://schemas.microsoft.com/office/drawing/2014/main" id="{537B97F4-E983-2356-6027-1540E66EAFCE}"/>
-              </a:ext>
-            </a:extLst>
-          </p:cNvPr>
-          <p:cNvSpPr/>
-          <p:nvPr/>
-        </p:nvSpPr>
-        <p:spPr>
-          <a:xfrm>
-            <a:off x="0" y="0"/>
-            <a:ext cx="12256168" cy="6858000"/>
-          </a:xfrm>
-          <a:prstGeom prst="rect">
-            <a:avLst/>
-          </a:prstGeom>
-          <a:solidFill>
-            <a:schemeClr val="accent2">
-              <a:lumMod val="20000"/>
-              <a:lumOff val="80000"/>
-            </a:schemeClr>
-          </a:solidFill>
-        </p:spPr>
-        <p:style>
-          <a:lnRef idx="2">
-            <a:schemeClr val="accent2">
-              <a:shade val="50000"/>
-            </a:schemeClr>
-          </a:lnRef>
-          <a:fillRef idx="1">
-            <a:schemeClr val="accent2"/>
-          </a:fillRef>
-          <a:effectRef idx="0">
-            <a:schemeClr val="accent2"/>
-          </a:effectRef>
-          <a:fontRef idx="minor">
-            <a:schemeClr val="lt1"/>
-          </a:fontRef>
-        </p:style>
-        <p:txBody>
-          <a:bodyPr rtlCol="0" anchor="ctr"/>
-          <a:lstStyle/>
-          <a:p>
-            <a:pPr algn="ctr"/>
-            <a:endParaRPr kumimoji="1" lang="ja-JP" altLang="en-US" sz="4800" b="1" dirty="0">
-              <a:solidFill>
-                <a:schemeClr val="tx1"/>
-              </a:solidFill>
-            </a:endParaRPr>
-          </a:p>
-        </p:txBody>
-      </p:sp>
-      <p:sp>
-        <p:nvSpPr>
-          <p:cNvPr id="5" name="正方形/長方形 4">
-            <a:extLst>
-              <a:ext uri="{FF2B5EF4-FFF2-40B4-BE49-F238E27FC236}">
-                <a16:creationId xmlns:a16="http://schemas.microsoft.com/office/drawing/2014/main" id="{13E2DDFB-DD74-1E35-6872-347ED082CB3D}"/>
-              </a:ext>
-            </a:extLst>
-          </p:cNvPr>
-          <p:cNvSpPr/>
-          <p:nvPr/>
-        </p:nvSpPr>
-        <p:spPr>
-          <a:xfrm>
-            <a:off x="-19050" y="1634243"/>
-            <a:ext cx="12256168" cy="96253"/>
-          </a:xfrm>
-          <a:prstGeom prst="rect">
-            <a:avLst/>
-          </a:prstGeom>
-          <a:solidFill>
-            <a:schemeClr val="accent2">
-              <a:lumMod val="75000"/>
-            </a:schemeClr>
-          </a:solidFill>
-          <a:ln>
-            <a:noFill/>
-          </a:ln>
-        </p:spPr>
-        <p:style>
-          <a:lnRef idx="2">
-            <a:schemeClr val="accent1">
-              <a:shade val="50000"/>
-            </a:schemeClr>
-          </a:lnRef>
-          <a:fillRef idx="1">
-            <a:schemeClr val="accent1"/>
-          </a:fillRef>
-          <a:effectRef idx="0">
-            <a:schemeClr val="accent1"/>
-          </a:effectRef>
-          <a:fontRef idx="minor">
-            <a:schemeClr val="lt1"/>
-          </a:fontRef>
-        </p:style>
-        <p:txBody>
-          <a:bodyPr rtlCol="0" anchor="ctr"/>
-          <a:lstStyle/>
-          <a:p>
-            <a:pPr algn="ctr"/>
-            <a:endParaRPr kumimoji="1" lang="ja-JP" altLang="en-US"/>
-          </a:p>
-        </p:txBody>
-      </p:sp>
-      <p:sp>
-        <p:nvSpPr>
-          <p:cNvPr id="8" name="正方形/長方形 7">
-            <a:extLst>
-              <a:ext uri="{FF2B5EF4-FFF2-40B4-BE49-F238E27FC236}">
-                <a16:creationId xmlns:a16="http://schemas.microsoft.com/office/drawing/2014/main" id="{9174F777-3707-B77E-F507-44E2665CBD04}"/>
-              </a:ext>
-            </a:extLst>
-          </p:cNvPr>
-          <p:cNvSpPr/>
-          <p:nvPr/>
-        </p:nvSpPr>
-        <p:spPr>
-          <a:xfrm flipH="1">
-            <a:off x="808350" y="489284"/>
-            <a:ext cx="162196" cy="755210"/>
-          </a:xfrm>
-          <a:prstGeom prst="rect">
-            <a:avLst/>
-          </a:prstGeom>
-          <a:solidFill>
-            <a:schemeClr val="accent2">
-              <a:lumMod val="75000"/>
-            </a:schemeClr>
-          </a:solidFill>
-          <a:ln>
-            <a:noFill/>
-          </a:ln>
-        </p:spPr>
-        <p:style>
-          <a:lnRef idx="2">
-            <a:schemeClr val="accent1">
-              <a:shade val="50000"/>
-            </a:schemeClr>
-          </a:lnRef>
-          <a:fillRef idx="1">
-            <a:schemeClr val="accent1"/>
-          </a:fillRef>
-          <a:effectRef idx="0">
-            <a:schemeClr val="accent1"/>
-          </a:effectRef>
-          <a:fontRef idx="minor">
-            <a:schemeClr val="lt1"/>
-          </a:fontRef>
-        </p:style>
-        <p:txBody>
-          <a:bodyPr rtlCol="0" anchor="ctr"/>
-          <a:lstStyle/>
-          <a:p>
-            <a:pPr algn="ctr"/>
-            <a:endParaRPr kumimoji="1" lang="ja-JP" altLang="en-US"/>
-          </a:p>
-        </p:txBody>
-      </p:sp>
-      <p:sp>
-        <p:nvSpPr>
-          <p:cNvPr id="2" name="テキスト ボックス 1">
-            <a:extLst>
-              <a:ext uri="{FF2B5EF4-FFF2-40B4-BE49-F238E27FC236}">
-                <a16:creationId xmlns:a16="http://schemas.microsoft.com/office/drawing/2014/main" id="{FBE8D77F-117D-48DC-A527-1721EC553375}"/>
-              </a:ext>
-            </a:extLst>
-          </p:cNvPr>
-          <p:cNvSpPr txBox="1"/>
-          <p:nvPr/>
-        </p:nvSpPr>
-        <p:spPr>
-          <a:xfrm>
-            <a:off x="1138985" y="325084"/>
-            <a:ext cx="9074863" cy="1015663"/>
-          </a:xfrm>
-          <a:prstGeom prst="rect">
-            <a:avLst/>
-          </a:prstGeom>
-          <a:noFill/>
-        </p:spPr>
-        <p:txBody>
-          <a:bodyPr wrap="square" rtlCol="0">
-            <a:spAutoFit/>
-          </a:bodyPr>
-          <a:lstStyle/>
-          <a:p>
-            <a:r>
-              <a:rPr lang="ja-JP" altLang="en-US" sz="6000" dirty="0">
-                <a:latin typeface="HGS創英角ｺﾞｼｯｸUB" panose="020B0900000000000000" pitchFamily="50" charset="-128"/>
-                <a:ea typeface="HGS創英角ｺﾞｼｯｸUB" panose="020B0900000000000000" pitchFamily="50" charset="-128"/>
-              </a:rPr>
-              <a:t>計測結果</a:t>
-            </a:r>
-            <a:endParaRPr kumimoji="1" lang="ja-JP" altLang="en-US" sz="6000" dirty="0">
-              <a:latin typeface="HGS創英角ｺﾞｼｯｸUB" panose="020B0900000000000000" pitchFamily="50" charset="-128"/>
-              <a:ea typeface="HGS創英角ｺﾞｼｯｸUB" panose="020B0900000000000000" pitchFamily="50" charset="-128"/>
-            </a:endParaRPr>
-          </a:p>
-        </p:txBody>
-      </p:sp>
-      <mc:AlternateContent xmlns:mc="http://schemas.openxmlformats.org/markup-compatibility/2006" xmlns:p14="http://schemas.microsoft.com/office/powerpoint/2010/main">
-        <mc:Choice Requires="p14">
-          <p:contentPart p14:bwMode="auto" r:id="rId2">
-            <p14:nvContentPartPr>
-              <p14:cNvPr id="22" name="インク 21">
-                <a:extLst>
-                  <a:ext uri="{FF2B5EF4-FFF2-40B4-BE49-F238E27FC236}">
-                    <a16:creationId xmlns:a16="http://schemas.microsoft.com/office/drawing/2014/main" id="{D4DA94EC-B5B1-ECB3-5618-933E628EE936}"/>
-                  </a:ext>
-                </a:extLst>
-              </p14:cNvPr>
-              <p14:cNvContentPartPr/>
-              <p14:nvPr/>
-            </p14:nvContentPartPr>
-            <p14:xfrm>
-              <a:off x="-2415388" y="785280"/>
-              <a:ext cx="360" cy="360"/>
-            </p14:xfrm>
-          </p:contentPart>
-        </mc:Choice>
-        <mc:Fallback xmlns="">
-          <p:pic>
-            <p:nvPicPr>
-              <p:cNvPr id="22" name="インク 21">
-                <a:extLst>
-                  <a:ext uri="{FF2B5EF4-FFF2-40B4-BE49-F238E27FC236}">
-                    <a16:creationId xmlns:a16="http://schemas.microsoft.com/office/drawing/2014/main" id="{D4DA94EC-B5B1-ECB3-5618-933E628EE936}"/>
-                  </a:ext>
-                </a:extLst>
-              </p:cNvPr>
-              <p:cNvPicPr/>
-              <p:nvPr/>
-            </p:nvPicPr>
-            <p:blipFill>
-              <a:blip r:embed="rId3"/>
-              <a:stretch>
-                <a:fillRect/>
-              </a:stretch>
-            </p:blipFill>
-            <p:spPr>
-              <a:xfrm>
-                <a:off x="-2424388" y="776280"/>
-                <a:ext cx="18000" cy="18000"/>
-              </a:xfrm>
-              <a:prstGeom prst="rect">
-                <a:avLst/>
-              </a:prstGeom>
-            </p:spPr>
-          </p:pic>
-        </mc:Fallback>
-      </mc:AlternateContent>
-      <p:pic>
-        <p:nvPicPr>
-          <p:cNvPr id="7" name="図 6">
-            <a:extLst>
-              <a:ext uri="{FF2B5EF4-FFF2-40B4-BE49-F238E27FC236}">
-                <a16:creationId xmlns:a16="http://schemas.microsoft.com/office/drawing/2014/main" id="{3DCE9C32-0035-8073-1657-E6483602A72B}"/>
-              </a:ext>
-            </a:extLst>
-          </p:cNvPr>
-          <p:cNvPicPr>
-            <a:picLocks noChangeAspect="1"/>
-          </p:cNvPicPr>
-          <p:nvPr/>
-        </p:nvPicPr>
-        <p:blipFill>
-          <a:blip r:embed="rId4"/>
-          <a:stretch>
-            <a:fillRect/>
-          </a:stretch>
-        </p:blipFill>
-        <p:spPr>
-          <a:xfrm>
-            <a:off x="2616112" y="2260505"/>
-            <a:ext cx="6959775" cy="4183270"/>
-          </a:xfrm>
-          <a:prstGeom prst="rect">
-            <a:avLst/>
-          </a:prstGeom>
-        </p:spPr>
-      </p:pic>
-    </p:spTree>
-    <p:extLst>
-      <p:ext uri="{BB962C8B-B14F-4D97-AF65-F5344CB8AC3E}">
-        <p14:creationId xmlns:p14="http://schemas.microsoft.com/office/powerpoint/2010/main" val="927211494"/>
       </p:ext>
     </p:extLst>
   </p:cSld>
